--- a/POKING THE WHALE.pptx
+++ b/POKING THE WHALE.pptx
@@ -24242,7 +24242,7 @@
             </a:pPr>
             <a:r>
               <a:rPr lang="pl-PL" dirty="0"/>
-              <a:t>Multiple docker commands in one config </a:t>
+              <a:t>Basically encapsultes multiple docker commands in single yaml file</a:t>
             </a:r>
           </a:p>
           <a:p>
@@ -24253,6 +24253,46 @@
             <a:r>
               <a:rPr lang="pl-PL" dirty="0"/>
               <a:t>Can use environment variables</a:t>
+            </a:r>
+          </a:p>
+          <a:p>
+            <a:pPr marL="285750" indent="-285750">
+              <a:buFontTx/>
+              <a:buChar char="-"/>
+            </a:pPr>
+            <a:r>
+              <a:rPr lang="pl-PL" dirty="0"/>
+              <a:t>Basic commands:</a:t>
+            </a:r>
+          </a:p>
+          <a:p>
+            <a:pPr marL="971550" lvl="1" indent="-285750">
+              <a:buFontTx/>
+              <a:buChar char="-"/>
+            </a:pPr>
+            <a:r>
+              <a:rPr lang="pl-PL" dirty="0"/>
+              <a:t>docker-compose up</a:t>
+            </a:r>
+          </a:p>
+          <a:p>
+            <a:pPr marL="971550" lvl="1" indent="-285750">
+              <a:buFontTx/>
+              <a:buChar char="-"/>
+            </a:pPr>
+            <a:r>
+              <a:rPr lang="pl-PL" dirty="0"/>
+              <a:t>docker-comose down</a:t>
+            </a:r>
+          </a:p>
+          <a:p>
+            <a:pPr marL="971550" lvl="1" indent="-285750">
+              <a:buFontTx/>
+              <a:buChar char="-"/>
+            </a:pPr>
+            <a:r>
+              <a:rPr lang="pl-PL" dirty="0"/>
+              <a:t>docker-compose up –force-recreate – for forcing image rebuilding</a:t>
             </a:r>
           </a:p>
         </p:txBody>
